--- a/logo.pptx
+++ b/logo.pptx
@@ -3339,6 +3339,56 @@
       </p:grpSpPr>
       <p:sp>
         <p:nvSpPr>
+          <p:cNvPr id="34" name="Rectangle 33">
+            <a:extLst>
+              <a:ext uri="{FF2B5EF4-FFF2-40B4-BE49-F238E27FC236}">
+                <a16:creationId xmlns:a16="http://schemas.microsoft.com/office/drawing/2014/main" id="{82A39B7B-1A39-0568-4AC1-5552863ADFC1}"/>
+              </a:ext>
+            </a:extLst>
+          </p:cNvPr>
+          <p:cNvSpPr/>
+          <p:nvPr/>
+        </p:nvSpPr>
+        <p:spPr>
+          <a:xfrm>
+            <a:off x="3755999" y="1089000"/>
+            <a:ext cx="4680000" cy="4680000"/>
+          </a:xfrm>
+          <a:prstGeom prst="rect">
+            <a:avLst/>
+          </a:prstGeom>
+          <a:noFill/>
+          <a:ln>
+            <a:noFill/>
+          </a:ln>
+        </p:spPr>
+        <p:style>
+          <a:lnRef idx="2">
+            <a:schemeClr val="accent1">
+              <a:shade val="15000"/>
+            </a:schemeClr>
+          </a:lnRef>
+          <a:fillRef idx="1">
+            <a:schemeClr val="accent1"/>
+          </a:fillRef>
+          <a:effectRef idx="0">
+            <a:schemeClr val="accent1"/>
+          </a:effectRef>
+          <a:fontRef idx="minor">
+            <a:schemeClr val="lt1"/>
+          </a:fontRef>
+        </p:style>
+        <p:txBody>
+          <a:bodyPr rtlCol="0" anchor="ctr"/>
+          <a:lstStyle/>
+          <a:p>
+            <a:pPr algn="ctr"/>
+            <a:endParaRPr lang="en-US"/>
+          </a:p>
+        </p:txBody>
+      </p:sp>
+      <p:sp>
+        <p:nvSpPr>
           <p:cNvPr id="33" name="Rectangle: Rounded Corners 32">
             <a:extLst>
               <a:ext uri="{FF2B5EF4-FFF2-40B4-BE49-F238E27FC236}">
@@ -3365,7 +3415,7 @@
               <a:lumOff val="5000"/>
             </a:schemeClr>
           </a:solidFill>
-          <a:ln w="38100">
+          <a:ln w="76200">
             <a:gradFill flip="none" rotWithShape="1">
               <a:gsLst>
                 <a:gs pos="0">
@@ -4045,56 +4095,6 @@
           </a:prstGeom>
         </p:spPr>
       </p:pic>
-      <p:sp>
-        <p:nvSpPr>
-          <p:cNvPr id="34" name="Rectangle 33">
-            <a:extLst>
-              <a:ext uri="{FF2B5EF4-FFF2-40B4-BE49-F238E27FC236}">
-                <a16:creationId xmlns:a16="http://schemas.microsoft.com/office/drawing/2014/main" id="{82A39B7B-1A39-0568-4AC1-5552863ADFC1}"/>
-              </a:ext>
-            </a:extLst>
-          </p:cNvPr>
-          <p:cNvSpPr/>
-          <p:nvPr/>
-        </p:nvSpPr>
-        <p:spPr>
-          <a:xfrm>
-            <a:off x="3936000" y="1269000"/>
-            <a:ext cx="4320000" cy="4320000"/>
-          </a:xfrm>
-          <a:prstGeom prst="rect">
-            <a:avLst/>
-          </a:prstGeom>
-          <a:noFill/>
-          <a:ln>
-            <a:noFill/>
-          </a:ln>
-        </p:spPr>
-        <p:style>
-          <a:lnRef idx="2">
-            <a:schemeClr val="accent1">
-              <a:shade val="15000"/>
-            </a:schemeClr>
-          </a:lnRef>
-          <a:fillRef idx="1">
-            <a:schemeClr val="accent1"/>
-          </a:fillRef>
-          <a:effectRef idx="0">
-            <a:schemeClr val="accent1"/>
-          </a:effectRef>
-          <a:fontRef idx="minor">
-            <a:schemeClr val="lt1"/>
-          </a:fontRef>
-        </p:style>
-        <p:txBody>
-          <a:bodyPr rtlCol="0" anchor="ctr"/>
-          <a:lstStyle/>
-          <a:p>
-            <a:pPr algn="ctr"/>
-            <a:endParaRPr lang="en-US"/>
-          </a:p>
-        </p:txBody>
-      </p:sp>
     </p:spTree>
     <p:extLst>
       <p:ext uri="{BB962C8B-B14F-4D97-AF65-F5344CB8AC3E}">
